--- a/Презентация.pptx
+++ b/Презентация.pptx
@@ -304,7 +304,7 @@
           <a:p>
             <a:fld id="{9EB5495F-27DB-409B-9982-F02559C291AF}" type="datetimeFigureOut">
               <a:rPr lang="bg-BG" smtClean="0"/>
-              <a:t>9.7.2020 г.</a:t>
+              <a:t>11.7.2020 г.</a:t>
             </a:fld>
             <a:endParaRPr lang="bg-BG"/>
           </a:p>
@@ -642,7 +642,7 @@
           <a:p>
             <a:fld id="{9EB5495F-27DB-409B-9982-F02559C291AF}" type="datetimeFigureOut">
               <a:rPr lang="bg-BG" smtClean="0"/>
-              <a:t>9.7.2020 г.</a:t>
+              <a:t>11.7.2020 г.</a:t>
             </a:fld>
             <a:endParaRPr lang="bg-BG"/>
           </a:p>
@@ -1043,7 +1043,7 @@
           <a:p>
             <a:fld id="{9EB5495F-27DB-409B-9982-F02559C291AF}" type="datetimeFigureOut">
               <a:rPr lang="bg-BG" smtClean="0"/>
-              <a:t>9.7.2020 г.</a:t>
+              <a:t>11.7.2020 г.</a:t>
             </a:fld>
             <a:endParaRPr lang="bg-BG"/>
           </a:p>
@@ -1379,7 +1379,7 @@
           <a:p>
             <a:fld id="{9EB5495F-27DB-409B-9982-F02559C291AF}" type="datetimeFigureOut">
               <a:rPr lang="bg-BG" smtClean="0"/>
-              <a:t>9.7.2020 г.</a:t>
+              <a:t>11.7.2020 г.</a:t>
             </a:fld>
             <a:endParaRPr lang="bg-BG"/>
           </a:p>
@@ -1699,7 +1699,7 @@
           <a:p>
             <a:fld id="{9EB5495F-27DB-409B-9982-F02559C291AF}" type="datetimeFigureOut">
               <a:rPr lang="bg-BG" smtClean="0"/>
-              <a:t>9.7.2020 г.</a:t>
+              <a:t>11.7.2020 г.</a:t>
             </a:fld>
             <a:endParaRPr lang="bg-BG"/>
           </a:p>
@@ -2095,7 +2095,7 @@
           <a:p>
             <a:fld id="{9EB5495F-27DB-409B-9982-F02559C291AF}" type="datetimeFigureOut">
               <a:rPr lang="bg-BG" smtClean="0"/>
-              <a:t>9.7.2020 г.</a:t>
+              <a:t>11.7.2020 г.</a:t>
             </a:fld>
             <a:endParaRPr lang="bg-BG"/>
           </a:p>
@@ -2352,7 +2352,7 @@
           <a:p>
             <a:fld id="{9EB5495F-27DB-409B-9982-F02559C291AF}" type="datetimeFigureOut">
               <a:rPr lang="bg-BG" smtClean="0"/>
-              <a:t>9.7.2020 г.</a:t>
+              <a:t>11.7.2020 г.</a:t>
             </a:fld>
             <a:endParaRPr lang="bg-BG"/>
           </a:p>
@@ -2614,7 +2614,7 @@
           <a:p>
             <a:fld id="{9EB5495F-27DB-409B-9982-F02559C291AF}" type="datetimeFigureOut">
               <a:rPr lang="bg-BG" smtClean="0"/>
-              <a:t>9.7.2020 г.</a:t>
+              <a:t>11.7.2020 г.</a:t>
             </a:fld>
             <a:endParaRPr lang="bg-BG"/>
           </a:p>
@@ -2876,7 +2876,7 @@
           <a:p>
             <a:fld id="{9EB5495F-27DB-409B-9982-F02559C291AF}" type="datetimeFigureOut">
               <a:rPr lang="bg-BG" smtClean="0"/>
-              <a:t>9.7.2020 г.</a:t>
+              <a:t>11.7.2020 г.</a:t>
             </a:fld>
             <a:endParaRPr lang="bg-BG"/>
           </a:p>
@@ -3205,7 +3205,7 @@
           <a:p>
             <a:fld id="{9EB5495F-27DB-409B-9982-F02559C291AF}" type="datetimeFigureOut">
               <a:rPr lang="bg-BG" smtClean="0"/>
-              <a:t>9.7.2020 г.</a:t>
+              <a:t>11.7.2020 г.</a:t>
             </a:fld>
             <a:endParaRPr lang="bg-BG"/>
           </a:p>
@@ -3528,7 +3528,7 @@
           <a:p>
             <a:fld id="{9EB5495F-27DB-409B-9982-F02559C291AF}" type="datetimeFigureOut">
               <a:rPr lang="bg-BG" smtClean="0"/>
-              <a:t>9.7.2020 г.</a:t>
+              <a:t>11.7.2020 г.</a:t>
             </a:fld>
             <a:endParaRPr lang="bg-BG"/>
           </a:p>
@@ -3985,7 +3985,7 @@
           <a:p>
             <a:fld id="{9EB5495F-27DB-409B-9982-F02559C291AF}" type="datetimeFigureOut">
               <a:rPr lang="bg-BG" smtClean="0"/>
-              <a:t>9.7.2020 г.</a:t>
+              <a:t>11.7.2020 г.</a:t>
             </a:fld>
             <a:endParaRPr lang="bg-BG"/>
           </a:p>
@@ -4190,7 +4190,7 @@
           <a:p>
             <a:fld id="{9EB5495F-27DB-409B-9982-F02559C291AF}" type="datetimeFigureOut">
               <a:rPr lang="bg-BG" smtClean="0"/>
-              <a:t>9.7.2020 г.</a:t>
+              <a:t>11.7.2020 г.</a:t>
             </a:fld>
             <a:endParaRPr lang="bg-BG"/>
           </a:p>
@@ -4367,7 +4367,7 @@
           <a:p>
             <a:fld id="{9EB5495F-27DB-409B-9982-F02559C291AF}" type="datetimeFigureOut">
               <a:rPr lang="bg-BG" smtClean="0"/>
-              <a:t>9.7.2020 г.</a:t>
+              <a:t>11.7.2020 г.</a:t>
             </a:fld>
             <a:endParaRPr lang="bg-BG"/>
           </a:p>
@@ -4700,7 +4700,7 @@
           <a:p>
             <a:fld id="{9EB5495F-27DB-409B-9982-F02559C291AF}" type="datetimeFigureOut">
               <a:rPr lang="bg-BG" smtClean="0"/>
-              <a:t>9.7.2020 г.</a:t>
+              <a:t>11.7.2020 г.</a:t>
             </a:fld>
             <a:endParaRPr lang="bg-BG"/>
           </a:p>
@@ -5045,7 +5045,7 @@
           <a:p>
             <a:fld id="{9EB5495F-27DB-409B-9982-F02559C291AF}" type="datetimeFigureOut">
               <a:rPr lang="bg-BG" smtClean="0"/>
-              <a:t>9.7.2020 г.</a:t>
+              <a:t>11.7.2020 г.</a:t>
             </a:fld>
             <a:endParaRPr lang="bg-BG"/>
           </a:p>
@@ -7162,7 +7162,7 @@
           <a:p>
             <a:fld id="{9EB5495F-27DB-409B-9982-F02559C291AF}" type="datetimeFigureOut">
               <a:rPr lang="bg-BG" smtClean="0"/>
-              <a:t>9.7.2020 г.</a:t>
+              <a:t>11.7.2020 г.</a:t>
             </a:fld>
             <a:endParaRPr lang="bg-BG"/>
           </a:p>
@@ -10580,7 +10580,7 @@
         </p:nvSpPr>
         <p:spPr>
           <a:xfrm>
-            <a:off x="536196" y="1212413"/>
+            <a:off x="813733" y="1514416"/>
             <a:ext cx="10515600" cy="2654912"/>
           </a:xfrm>
         </p:spPr>
@@ -10665,7 +10665,7 @@
         <p:spPr>
           <a:xfrm>
             <a:off x="813733" y="4473240"/>
-            <a:ext cx="9169166" cy="892552"/>
+            <a:ext cx="9169166" cy="523220"/>
           </a:xfrm>
           <a:prstGeom prst="rect">
             <a:avLst/>
@@ -10713,6 +10713,10 @@
               </a:rPr>
               <a:t>:</a:t>
             </a:r>
+            <a:r>
+              <a:rPr lang="bg-BG" sz="2800" dirty="0"/>
+              <a:t> </a:t>
+            </a:r>
             <a:endParaRPr lang="bg-BG" sz="2800" dirty="0">
               <a:hlinkClick r:id="rId3">
                 <a:extLst>
@@ -10723,27 +10727,46 @@
               </a:hlinkClick>
             </a:endParaRPr>
           </a:p>
+        </p:txBody>
+      </p:sp>
+      <p:sp>
+        <p:nvSpPr>
+          <p:cNvPr id="7" name="Правоъгълник 6">
+            <a:extLst>
+              <a:ext uri="{FF2B5EF4-FFF2-40B4-BE49-F238E27FC236}">
+                <a16:creationId xmlns:a16="http://schemas.microsoft.com/office/drawing/2014/main" id="{2AD4742B-656D-440D-8AFC-BF104DF04BB2}"/>
+              </a:ext>
+            </a:extLst>
+          </p:cNvPr>
+          <p:cNvSpPr/>
+          <p:nvPr/>
+        </p:nvSpPr>
+        <p:spPr>
+          <a:xfrm>
+            <a:off x="4643232" y="4627128"/>
+            <a:ext cx="4771243" cy="369332"/>
+          </a:xfrm>
+          <a:prstGeom prst="rect">
+            <a:avLst/>
+          </a:prstGeom>
+        </p:spPr>
+        <p:txBody>
+          <a:bodyPr wrap="none">
+            <a:spAutoFit/>
+          </a:bodyPr>
+          <a:lstStyle/>
           <a:p>
             <a:r>
-              <a:rPr lang="en-US" sz="2400" dirty="0">
+              <a:rPr lang="en-US" dirty="0">
                 <a:solidFill>
-                  <a:srgbClr val="0070C0"/>
+                  <a:srgbClr val="34495E"/>
                 </a:solidFill>
-                <a:hlinkClick r:id="rId3">
-                  <a:extLst>
-                    <a:ext uri="{A12FA001-AC4F-418D-AE19-62706E023703}">
-                      <ahyp:hlinkClr xmlns:ahyp="http://schemas.microsoft.com/office/drawing/2018/hyperlinkcolor" val="tx"/>
-                    </a:ext>
-                  </a:extLst>
-                </a:hlinkClick>
+                <a:latin typeface="artifakt-element"/>
+                <a:hlinkClick r:id="rId4"/>
               </a:rPr>
-              <a:t>https://www.tinkercad.com/things/2yfvBUZN7rC-fire-system/editel</a:t>
+              <a:t>https://www.tinkercad.com/things/2yfvBUZN7rC</a:t>
             </a:r>
-            <a:endParaRPr lang="bg-BG" sz="2400" dirty="0">
-              <a:solidFill>
-                <a:srgbClr val="0070C0"/>
-              </a:solidFill>
-            </a:endParaRPr>
+            <a:endParaRPr lang="bg-BG" dirty="0"/>
           </a:p>
         </p:txBody>
       </p:sp>
